--- a/document/Develope_Log.pptx
+++ b/document/Develope_Log.pptx
@@ -136,6 +136,11 @@
             <a:srgbClr val="A4A3A4"/>
           </p15:clr>
         </p15:guide>
+        <p15:guide id="2" orient="horz" pos="2160">
+          <p15:clr>
+            <a:srgbClr val="A4A3A4"/>
+          </p15:clr>
+        </p15:guide>
       </p15:sldGuideLst>
     </p:ext>
   </p:extLst>
@@ -224,7 +229,7 @@
           <a:p>
             <a:fld id="{89A5614F-1E1B-4817-9E36-7BF908481931}" type="datetimeFigureOut">
               <a:rPr lang="zh-CN" altLang="en-US" smtClean="0"/>
-              <a:t>2022/8/9 Tuesday</a:t>
+              <a:t>2022/8/21 Sunday</a:t>
             </a:fld>
             <a:endParaRPr lang="zh-CN" altLang="en-US"/>
           </a:p>
@@ -707,7 +712,7 @@
           <a:p>
             <a:fld id="{006E9FFD-209E-46BE-A395-C552B00903F6}" type="datetimeFigureOut">
               <a:rPr lang="zh-CN" altLang="en-US" smtClean="0"/>
-              <a:t>2022/8/8 Monday</a:t>
+              <a:t>2022/8/21 Sunday</a:t>
             </a:fld>
             <a:endParaRPr lang="zh-CN" altLang="en-US"/>
           </a:p>
@@ -877,7 +882,7 @@
           <a:p>
             <a:fld id="{006E9FFD-209E-46BE-A395-C552B00903F6}" type="datetimeFigureOut">
               <a:rPr lang="zh-CN" altLang="en-US" smtClean="0"/>
-              <a:t>2022/8/8 Monday</a:t>
+              <a:t>2022/8/21 Sunday</a:t>
             </a:fld>
             <a:endParaRPr lang="zh-CN" altLang="en-US"/>
           </a:p>
@@ -1057,7 +1062,7 @@
           <a:p>
             <a:fld id="{006E9FFD-209E-46BE-A395-C552B00903F6}" type="datetimeFigureOut">
               <a:rPr lang="zh-CN" altLang="en-US" smtClean="0"/>
-              <a:t>2022/8/8 Monday</a:t>
+              <a:t>2022/8/21 Sunday</a:t>
             </a:fld>
             <a:endParaRPr lang="zh-CN" altLang="en-US"/>
           </a:p>
@@ -1227,7 +1232,7 @@
           <a:p>
             <a:fld id="{006E9FFD-209E-46BE-A395-C552B00903F6}" type="datetimeFigureOut">
               <a:rPr lang="zh-CN" altLang="en-US" smtClean="0"/>
-              <a:t>2022/8/8 Monday</a:t>
+              <a:t>2022/8/21 Sunday</a:t>
             </a:fld>
             <a:endParaRPr lang="zh-CN" altLang="en-US"/>
           </a:p>
@@ -1473,7 +1478,7 @@
           <a:p>
             <a:fld id="{006E9FFD-209E-46BE-A395-C552B00903F6}" type="datetimeFigureOut">
               <a:rPr lang="zh-CN" altLang="en-US" smtClean="0"/>
-              <a:t>2022/8/8 Monday</a:t>
+              <a:t>2022/8/21 Sunday</a:t>
             </a:fld>
             <a:endParaRPr lang="zh-CN" altLang="en-US"/>
           </a:p>
@@ -1705,7 +1710,7 @@
           <a:p>
             <a:fld id="{006E9FFD-209E-46BE-A395-C552B00903F6}" type="datetimeFigureOut">
               <a:rPr lang="zh-CN" altLang="en-US" smtClean="0"/>
-              <a:t>2022/8/8 Monday</a:t>
+              <a:t>2022/8/21 Sunday</a:t>
             </a:fld>
             <a:endParaRPr lang="zh-CN" altLang="en-US"/>
           </a:p>
@@ -2072,7 +2077,7 @@
           <a:p>
             <a:fld id="{006E9FFD-209E-46BE-A395-C552B00903F6}" type="datetimeFigureOut">
               <a:rPr lang="zh-CN" altLang="en-US" smtClean="0"/>
-              <a:t>2022/8/8 Monday</a:t>
+              <a:t>2022/8/21 Sunday</a:t>
             </a:fld>
             <a:endParaRPr lang="zh-CN" altLang="en-US"/>
           </a:p>
@@ -2190,7 +2195,7 @@
           <a:p>
             <a:fld id="{006E9FFD-209E-46BE-A395-C552B00903F6}" type="datetimeFigureOut">
               <a:rPr lang="zh-CN" altLang="en-US" smtClean="0"/>
-              <a:t>2022/8/8 Monday</a:t>
+              <a:t>2022/8/21 Sunday</a:t>
             </a:fld>
             <a:endParaRPr lang="zh-CN" altLang="en-US"/>
           </a:p>
@@ -2285,7 +2290,7 @@
           <a:p>
             <a:fld id="{006E9FFD-209E-46BE-A395-C552B00903F6}" type="datetimeFigureOut">
               <a:rPr lang="zh-CN" altLang="en-US" smtClean="0"/>
-              <a:t>2022/8/8 Monday</a:t>
+              <a:t>2022/8/21 Sunday</a:t>
             </a:fld>
             <a:endParaRPr lang="zh-CN" altLang="en-US"/>
           </a:p>
@@ -2562,7 +2567,7 @@
           <a:p>
             <a:fld id="{006E9FFD-209E-46BE-A395-C552B00903F6}" type="datetimeFigureOut">
               <a:rPr lang="zh-CN" altLang="en-US" smtClean="0"/>
-              <a:t>2022/8/8 Monday</a:t>
+              <a:t>2022/8/21 Sunday</a:t>
             </a:fld>
             <a:endParaRPr lang="zh-CN" altLang="en-US"/>
           </a:p>
@@ -2815,7 +2820,7 @@
           <a:p>
             <a:fld id="{006E9FFD-209E-46BE-A395-C552B00903F6}" type="datetimeFigureOut">
               <a:rPr lang="zh-CN" altLang="en-US" smtClean="0"/>
-              <a:t>2022/8/8 Monday</a:t>
+              <a:t>2022/8/21 Sunday</a:t>
             </a:fld>
             <a:endParaRPr lang="zh-CN" altLang="en-US"/>
           </a:p>
@@ -3028,7 +3033,7 @@
           <a:p>
             <a:fld id="{006E9FFD-209E-46BE-A395-C552B00903F6}" type="datetimeFigureOut">
               <a:rPr lang="zh-CN" altLang="en-US" smtClean="0"/>
-              <a:t>2022/8/8 Monday</a:t>
+              <a:t>2022/8/21 Sunday</a:t>
             </a:fld>
             <a:endParaRPr lang="zh-CN" altLang="en-US"/>
           </a:p>
@@ -4442,7 +4447,7 @@
                 <a:latin typeface="S-Core Dream 5 Medium" panose="020B0503030302020204" pitchFamily="34" charset="-127"/>
                 <a:ea typeface="S-Core Dream 5 Medium" panose="020B0503030302020204" pitchFamily="34" charset="-127"/>
               </a:rPr>
-              <a:t>통합기능으로도 </a:t>
+              <a:t>통합으로도 </a:t>
             </a:r>
             <a:endParaRPr lang="en-US" altLang="ko-KR" sz="1200" dirty="0" smtClean="0">
               <a:solidFill>
